--- a/Figures/Figures.pptx
+++ b/Figures/Figures.pptx
@@ -5,7 +5,7 @@
     <p:sldMasterId id="2147483648" r:id="rId1"/>
   </p:sldMasterIdLst>
   <p:notesMasterIdLst>
-    <p:notesMasterId r:id="rId7"/>
+    <p:notesMasterId r:id="rId8"/>
   </p:notesMasterIdLst>
   <p:sldIdLst>
     <p:sldId id="256" r:id="rId2"/>
@@ -13,6 +13,7 @@
     <p:sldId id="519" r:id="rId4"/>
     <p:sldId id="520" r:id="rId5"/>
     <p:sldId id="521" r:id="rId6"/>
+    <p:sldId id="522" r:id="rId7"/>
   </p:sldIdLst>
   <p:sldSz cx="12192000" cy="6858000"/>
   <p:notesSz cx="6858000" cy="9144000"/>
@@ -201,7 +202,7 @@
           <a:p>
             <a:fld id="{FE98AF03-5E99-426B-A970-EF942F52A086}" type="datetimeFigureOut">
               <a:rPr lang="en-US" smtClean="0"/>
-              <a:t>5/3/2025</a:t>
+              <a:t>6/5/2025</a:t>
             </a:fld>
             <a:endParaRPr lang="en-US"/>
           </a:p>
@@ -699,7 +700,7 @@
           <a:p>
             <a:fld id="{90447303-34A9-4349-8EB0-7C4514AFDCBC}" type="datetimeFigureOut">
               <a:rPr lang="en-US" smtClean="0"/>
-              <a:t>5/3/2025</a:t>
+              <a:t>6/5/2025</a:t>
             </a:fld>
             <a:endParaRPr lang="en-US"/>
           </a:p>
@@ -897,7 +898,7 @@
           <a:p>
             <a:fld id="{90447303-34A9-4349-8EB0-7C4514AFDCBC}" type="datetimeFigureOut">
               <a:rPr lang="en-US" smtClean="0"/>
-              <a:t>5/3/2025</a:t>
+              <a:t>6/5/2025</a:t>
             </a:fld>
             <a:endParaRPr lang="en-US"/>
           </a:p>
@@ -1105,7 +1106,7 @@
           <a:p>
             <a:fld id="{90447303-34A9-4349-8EB0-7C4514AFDCBC}" type="datetimeFigureOut">
               <a:rPr lang="en-US" smtClean="0"/>
-              <a:t>5/3/2025</a:t>
+              <a:t>6/5/2025</a:t>
             </a:fld>
             <a:endParaRPr lang="en-US"/>
           </a:p>
@@ -1303,7 +1304,7 @@
           <a:p>
             <a:fld id="{90447303-34A9-4349-8EB0-7C4514AFDCBC}" type="datetimeFigureOut">
               <a:rPr lang="en-US" smtClean="0"/>
-              <a:t>5/3/2025</a:t>
+              <a:t>6/5/2025</a:t>
             </a:fld>
             <a:endParaRPr lang="en-US"/>
           </a:p>
@@ -1578,7 +1579,7 @@
           <a:p>
             <a:fld id="{90447303-34A9-4349-8EB0-7C4514AFDCBC}" type="datetimeFigureOut">
               <a:rPr lang="en-US" smtClean="0"/>
-              <a:t>5/3/2025</a:t>
+              <a:t>6/5/2025</a:t>
             </a:fld>
             <a:endParaRPr lang="en-US"/>
           </a:p>
@@ -1843,7 +1844,7 @@
           <a:p>
             <a:fld id="{90447303-34A9-4349-8EB0-7C4514AFDCBC}" type="datetimeFigureOut">
               <a:rPr lang="en-US" smtClean="0"/>
-              <a:t>5/3/2025</a:t>
+              <a:t>6/5/2025</a:t>
             </a:fld>
             <a:endParaRPr lang="en-US"/>
           </a:p>
@@ -2255,7 +2256,7 @@
           <a:p>
             <a:fld id="{90447303-34A9-4349-8EB0-7C4514AFDCBC}" type="datetimeFigureOut">
               <a:rPr lang="en-US" smtClean="0"/>
-              <a:t>5/3/2025</a:t>
+              <a:t>6/5/2025</a:t>
             </a:fld>
             <a:endParaRPr lang="en-US"/>
           </a:p>
@@ -2396,7 +2397,7 @@
           <a:p>
             <a:fld id="{90447303-34A9-4349-8EB0-7C4514AFDCBC}" type="datetimeFigureOut">
               <a:rPr lang="en-US" smtClean="0"/>
-              <a:t>5/3/2025</a:t>
+              <a:t>6/5/2025</a:t>
             </a:fld>
             <a:endParaRPr lang="en-US"/>
           </a:p>
@@ -2509,7 +2510,7 @@
           <a:p>
             <a:fld id="{90447303-34A9-4349-8EB0-7C4514AFDCBC}" type="datetimeFigureOut">
               <a:rPr lang="en-US" smtClean="0"/>
-              <a:t>5/3/2025</a:t>
+              <a:t>6/5/2025</a:t>
             </a:fld>
             <a:endParaRPr lang="en-US"/>
           </a:p>
@@ -2820,7 +2821,7 @@
           <a:p>
             <a:fld id="{90447303-34A9-4349-8EB0-7C4514AFDCBC}" type="datetimeFigureOut">
               <a:rPr lang="en-US" smtClean="0"/>
-              <a:t>5/3/2025</a:t>
+              <a:t>6/5/2025</a:t>
             </a:fld>
             <a:endParaRPr lang="en-US"/>
           </a:p>
@@ -3108,7 +3109,7 @@
           <a:p>
             <a:fld id="{90447303-34A9-4349-8EB0-7C4514AFDCBC}" type="datetimeFigureOut">
               <a:rPr lang="en-US" smtClean="0"/>
-              <a:t>5/3/2025</a:t>
+              <a:t>6/5/2025</a:t>
             </a:fld>
             <a:endParaRPr lang="en-US"/>
           </a:p>
@@ -3349,7 +3350,7 @@
           <a:p>
             <a:fld id="{90447303-34A9-4349-8EB0-7C4514AFDCBC}" type="datetimeFigureOut">
               <a:rPr lang="en-US" smtClean="0"/>
-              <a:t>5/3/2025</a:t>
+              <a:t>6/5/2025</a:t>
             </a:fld>
             <a:endParaRPr lang="en-US"/>
           </a:p>
@@ -5886,6 +5887,127 @@
 </p:sld>
 </file>
 
+<file path=ppt/slides/slide6.xml><?xml version="1.0" encoding="utf-8"?>
+<p:sld xmlns:a="http://schemas.openxmlformats.org/drawingml/2006/main" xmlns:r="http://schemas.openxmlformats.org/officeDocument/2006/relationships" xmlns:p="http://schemas.openxmlformats.org/presentationml/2006/main">
+  <p:cSld>
+    <p:spTree>
+      <p:nvGrpSpPr>
+        <p:cNvPr id="1" name=""/>
+        <p:cNvGrpSpPr/>
+        <p:nvPr/>
+      </p:nvGrpSpPr>
+      <p:grpSpPr>
+        <a:xfrm>
+          <a:off x="0" y="0"/>
+          <a:ext cx="0" cy="0"/>
+          <a:chOff x="0" y="0"/>
+          <a:chExt cx="0" cy="0"/>
+        </a:xfrm>
+      </p:grpSpPr>
+      <p:sp>
+        <p:nvSpPr>
+          <p:cNvPr id="2" name="Title 1">
+            <a:extLst>
+              <a:ext uri="{FF2B5EF4-FFF2-40B4-BE49-F238E27FC236}">
+                <a16:creationId xmlns:a16="http://schemas.microsoft.com/office/drawing/2014/main" id="{0A4B1A38-BFD5-F948-0F58-1CE7E46B5C4D}"/>
+              </a:ext>
+            </a:extLst>
+          </p:cNvPr>
+          <p:cNvSpPr>
+            <a:spLocks noGrp="1"/>
+          </p:cNvSpPr>
+          <p:nvPr>
+            <p:ph type="title"/>
+          </p:nvPr>
+        </p:nvSpPr>
+        <p:spPr/>
+        <p:txBody>
+          <a:bodyPr/>
+          <a:lstStyle/>
+          <a:p>
+            <a:r>
+              <a:rPr lang="en-US" dirty="0"/>
+              <a:t>Testing </a:t>
+            </a:r>
+            <a:r>
+              <a:rPr lang="en-US" dirty="0" err="1"/>
+              <a:t>afinity</a:t>
+            </a:r>
+            <a:endParaRPr lang="en-US" dirty="0"/>
+          </a:p>
+        </p:txBody>
+      </p:sp>
+      <p:pic>
+        <p:nvPicPr>
+          <p:cNvPr id="8" name="Content Placeholder 7">
+            <a:extLst>
+              <a:ext uri="{FF2B5EF4-FFF2-40B4-BE49-F238E27FC236}">
+                <a16:creationId xmlns:a16="http://schemas.microsoft.com/office/drawing/2014/main" id="{F4275B1A-2E9E-AABE-140D-D7B2D1D17151}"/>
+              </a:ext>
+            </a:extLst>
+          </p:cNvPr>
+          <p:cNvPicPr>
+            <a:picLocks noGrp="1" noChangeAspect="1"/>
+          </p:cNvPicPr>
+          <p:nvPr>
+            <p:ph sz="half" idx="1"/>
+          </p:nvPr>
+        </p:nvPicPr>
+        <p:blipFill>
+          <a:blip r:embed="rId2"/>
+          <a:stretch>
+            <a:fillRect/>
+          </a:stretch>
+        </p:blipFill>
+        <p:spPr>
+          <a:xfrm>
+            <a:off x="1155948" y="1825625"/>
+            <a:ext cx="4546103" cy="4351338"/>
+          </a:xfrm>
+        </p:spPr>
+      </p:pic>
+      <p:pic>
+        <p:nvPicPr>
+          <p:cNvPr id="12" name="Content Placeholder 11">
+            <a:extLst>
+              <a:ext uri="{FF2B5EF4-FFF2-40B4-BE49-F238E27FC236}">
+                <a16:creationId xmlns:a16="http://schemas.microsoft.com/office/drawing/2014/main" id="{BE04247C-4ACB-212B-AC55-EC16C10EF637}"/>
+              </a:ext>
+            </a:extLst>
+          </p:cNvPr>
+          <p:cNvPicPr>
+            <a:picLocks noGrp="1" noChangeAspect="1"/>
+          </p:cNvPicPr>
+          <p:nvPr>
+            <p:ph sz="half" idx="2"/>
+          </p:nvPr>
+        </p:nvPicPr>
+        <p:blipFill>
+          <a:blip r:embed="rId3"/>
+          <a:stretch>
+            <a:fillRect/>
+          </a:stretch>
+        </p:blipFill>
+        <p:spPr>
+          <a:xfrm>
+            <a:off x="6489948" y="1825625"/>
+            <a:ext cx="4546103" cy="4351338"/>
+          </a:xfrm>
+        </p:spPr>
+      </p:pic>
+    </p:spTree>
+    <p:extLst>
+      <p:ext uri="{BB962C8B-B14F-4D97-AF65-F5344CB8AC3E}">
+        <p14:creationId xmlns:p14="http://schemas.microsoft.com/office/powerpoint/2010/main" val="1786023167"/>
+      </p:ext>
+    </p:extLst>
+  </p:cSld>
+  <p:clrMapOvr>
+    <a:masterClrMapping/>
+  </p:clrMapOvr>
+</p:sld>
+</file>
+
 <file path=ppt/theme/theme1.xml><?xml version="1.0" encoding="utf-8"?>
 <a:theme xmlns:a="http://schemas.openxmlformats.org/drawingml/2006/main" name="Office Theme">
   <a:themeElements>
